--- a/Intel® Xeon Phi™ v2.pptx
+++ b/Intel® Xeon Phi™ v2.pptx
@@ -3413,7 +3413,7 @@
           <a:p>
             <a:fld id="{20EA5F0D-C1DC-412F-A146-DDB3A74B588F}" type="datetimeFigureOut">
               <a:rPr lang="pl-PL" smtClean="0"/>
-              <a:t>16.11.2015</a:t>
+              <a:t>17.11.2015</a:t>
             </a:fld>
             <a:endParaRPr lang="pl-PL" dirty="0"/>
           </a:p>
@@ -3578,7 +3578,7 @@
           <a:p>
             <a:fld id="{A8CDE508-72C8-4AB5-AA9C-1584D31690E0}" type="datetimeFigureOut">
               <a:rPr lang="pl-PL" smtClean="0"/>
-              <a:t>16.11.2015</a:t>
+              <a:t>17.11.2015</a:t>
             </a:fld>
             <a:endParaRPr lang="pl-PL" dirty="0"/>
           </a:p>
@@ -9638,7 +9638,7 @@
           <a:p>
             <a:fld id="{96DFF08F-DC6B-4601-B491-B0F83F6DD2DA}" type="datetimeFigureOut">
               <a:rPr lang="en-US" dirty="0"/>
-              <a:t>11/16/2015</a:t>
+              <a:t>11/17/2015</a:t>
             </a:fld>
             <a:endParaRPr lang="en-US" dirty="0"/>
           </a:p>
@@ -9827,7 +9827,7 @@
           <a:p>
             <a:fld id="{9E583DDF-CA54-461A-A486-592D2374C532}" type="datetimeFigureOut">
               <a:rPr lang="pl-PL" smtClean="0"/>
-              <a:t>16.11.2015</a:t>
+              <a:t>17.11.2015</a:t>
             </a:fld>
             <a:endParaRPr lang="pl-PL" dirty="0"/>
           </a:p>
@@ -10069,7 +10069,7 @@
           <a:p>
             <a:fld id="{9E583DDF-CA54-461A-A486-592D2374C532}" type="datetimeFigureOut">
               <a:rPr lang="pl-PL" smtClean="0"/>
-              <a:t>16.11.2015</a:t>
+              <a:t>17.11.2015</a:t>
             </a:fld>
             <a:endParaRPr lang="pl-PL" dirty="0"/>
           </a:p>
@@ -10268,7 +10268,7 @@
           <a:p>
             <a:fld id="{9E583DDF-CA54-461A-A486-592D2374C532}" type="datetimeFigureOut">
               <a:rPr lang="pl-PL" smtClean="0"/>
-              <a:t>16.11.2015</a:t>
+              <a:t>17.11.2015</a:t>
             </a:fld>
             <a:endParaRPr lang="pl-PL" dirty="0"/>
           </a:p>
@@ -10593,7 +10593,7 @@
           <a:p>
             <a:fld id="{9E583DDF-CA54-461A-A486-592D2374C532}" type="datetimeFigureOut">
               <a:rPr lang="pl-PL" smtClean="0"/>
-              <a:t>16.11.2015</a:t>
+              <a:t>17.11.2015</a:t>
             </a:fld>
             <a:endParaRPr lang="pl-PL" dirty="0"/>
           </a:p>
@@ -10916,7 +10916,7 @@
           <a:p>
             <a:fld id="{0A879FD0-C37A-4F50-8F3B-5FA0D9D0B42F}" type="datetimeFigureOut">
               <a:rPr lang="pl-PL" smtClean="0"/>
-              <a:t>16.11.2015</a:t>
+              <a:t>17.11.2015</a:t>
             </a:fld>
             <a:endParaRPr lang="pl-PL" dirty="0"/>
           </a:p>
@@ -11357,7 +11357,7 @@
           <a:p>
             <a:fld id="{9E583DDF-CA54-461A-A486-592D2374C532}" type="datetimeFigureOut">
               <a:rPr lang="pl-PL" smtClean="0"/>
-              <a:t>16.11.2015</a:t>
+              <a:t>17.11.2015</a:t>
             </a:fld>
             <a:endParaRPr lang="pl-PL" dirty="0"/>
           </a:p>
@@ -11494,7 +11494,7 @@
           <a:p>
             <a:fld id="{9E583DDF-CA54-461A-A486-592D2374C532}" type="datetimeFigureOut">
               <a:rPr lang="pl-PL" smtClean="0"/>
-              <a:t>16.11.2015</a:t>
+              <a:t>17.11.2015</a:t>
             </a:fld>
             <a:endParaRPr lang="pl-PL" dirty="0"/>
           </a:p>
@@ -11608,7 +11608,7 @@
           <a:p>
             <a:fld id="{9E583DDF-CA54-461A-A486-592D2374C532}" type="datetimeFigureOut">
               <a:rPr lang="pl-PL" smtClean="0"/>
-              <a:t>16.11.2015</a:t>
+              <a:t>17.11.2015</a:t>
             </a:fld>
             <a:endParaRPr lang="pl-PL" dirty="0"/>
           </a:p>
@@ -11900,7 +11900,7 @@
           <a:p>
             <a:fld id="{9E583DDF-CA54-461A-A486-592D2374C532}" type="datetimeFigureOut">
               <a:rPr lang="pl-PL" smtClean="0"/>
-              <a:t>16.11.2015</a:t>
+              <a:t>17.11.2015</a:t>
             </a:fld>
             <a:endParaRPr lang="pl-PL" dirty="0"/>
           </a:p>
@@ -12184,7 +12184,7 @@
           <a:p>
             <a:fld id="{9E583DDF-CA54-461A-A486-592D2374C532}" type="datetimeFigureOut">
               <a:rPr lang="pl-PL" smtClean="0"/>
-              <a:t>16.11.2015</a:t>
+              <a:t>17.11.2015</a:t>
             </a:fld>
             <a:endParaRPr lang="pl-PL" dirty="0"/>
           </a:p>
@@ -12453,7 +12453,7 @@
             <a:fld id="{9E583DDF-CA54-461A-A486-592D2374C532}" type="datetimeFigureOut">
               <a:rPr lang="pl-PL" smtClean="0"/>
               <a:pPr/>
-              <a:t>16.11.2015</a:t>
+              <a:t>17.11.2015</a:t>
             </a:fld>
             <a:endParaRPr lang="pl-PL" dirty="0"/>
           </a:p>
@@ -14385,58 +14385,67 @@
             <p:ph idx="1"/>
           </p:nvPr>
         </p:nvSpPr>
-        <p:spPr/>
+        <p:spPr>
+          <a:xfrm>
+            <a:off x="1202920" y="2078182"/>
+            <a:ext cx="9784080" cy="4613564"/>
+          </a:xfrm>
+        </p:spPr>
         <p:txBody>
           <a:bodyPr/>
           <a:lstStyle/>
           <a:p>
             <a:r>
-              <a:rPr lang="pl-PL" dirty="0" smtClean="0"/>
-              <a:t>Co to jest Intel Xeon Phi</a:t>
-            </a:r>
-          </a:p>
-          <a:p>
-            <a:r>
-              <a:rPr lang="pl-PL" dirty="0" smtClean="0"/>
+              <a:rPr lang="pl-PL" sz="2800" dirty="0" smtClean="0"/>
+              <a:t>Co to jest Intel Xeon </a:t>
+            </a:r>
+            <a:r>
+              <a:rPr lang="pl-PL" sz="2800" dirty="0" smtClean="0"/>
+              <a:t>Phi?</a:t>
+            </a:r>
+            <a:endParaRPr lang="pl-PL" sz="2800" dirty="0" smtClean="0"/>
+          </a:p>
+          <a:p>
+            <a:r>
+              <a:rPr lang="pl-PL" sz="2800" dirty="0" smtClean="0"/>
               <a:t>Gdzie się używa?</a:t>
             </a:r>
           </a:p>
           <a:p>
             <a:r>
-              <a:rPr lang="pl-PL" dirty="0" smtClean="0"/>
+              <a:rPr lang="pl-PL" sz="2800" dirty="0" smtClean="0"/>
               <a:t>Architektura MIC</a:t>
             </a:r>
           </a:p>
           <a:p>
             <a:r>
-              <a:rPr lang="pl-PL" dirty="0" smtClean="0"/>
+              <a:rPr lang="pl-PL" sz="2800" dirty="0" smtClean="0"/>
               <a:t>Architektura Software</a:t>
             </a:r>
           </a:p>
           <a:p>
             <a:r>
-              <a:rPr lang="pl-PL" dirty="0" smtClean="0"/>
+              <a:rPr lang="pl-PL" sz="2800" dirty="0" smtClean="0"/>
               <a:t>Tryby wykonawcze</a:t>
             </a:r>
           </a:p>
           <a:p>
             <a:r>
-              <a:rPr lang="pl-PL" dirty="0" smtClean="0"/>
+              <a:rPr lang="pl-PL" sz="2800" dirty="0" smtClean="0"/>
               <a:t>Modele programowania</a:t>
             </a:r>
           </a:p>
           <a:p>
             <a:r>
-              <a:rPr lang="pl-PL" dirty="0" smtClean="0"/>
+              <a:rPr lang="pl-PL" sz="2800" dirty="0" smtClean="0"/>
               <a:t>Programowanie</a:t>
             </a:r>
           </a:p>
           <a:p>
             <a:r>
-              <a:rPr lang="pl-PL" smtClean="0"/>
+              <a:rPr lang="pl-PL" sz="2800" dirty="0" smtClean="0"/>
               <a:t>Konkretne zastosowania</a:t>
             </a:r>
-            <a:endParaRPr lang="pl-PL" dirty="0" smtClean="0"/>
           </a:p>
           <a:p>
             <a:endParaRPr lang="pl-PL" dirty="0" smtClean="0"/>
@@ -18084,7 +18093,11 @@
             </a:pPr>
             <a:r>
               <a:rPr lang="pl-PL" dirty="0" smtClean="0"/>
-              <a:t>więcej rdzeni i wątków</a:t>
+              <a:t>+więcej </a:t>
+            </a:r>
+            <a:r>
+              <a:rPr lang="pl-PL" dirty="0" smtClean="0"/>
+              <a:t>rdzeni i wątków</a:t>
             </a:r>
           </a:p>
           <a:p>
@@ -18094,7 +18107,11 @@
             </a:pPr>
             <a:r>
               <a:rPr lang="pl-PL" dirty="0" smtClean="0"/>
-              <a:t>pojemniejsze wektorowe jednostki wykonawcze (VPU)</a:t>
+              <a:t>+pojemniejsze </a:t>
+            </a:r>
+            <a:r>
+              <a:rPr lang="pl-PL" dirty="0" smtClean="0"/>
+              <a:t>wektorowe jednostki wykonawcze (VPU)</a:t>
             </a:r>
           </a:p>
           <a:p>
@@ -18104,7 +18121,11 @@
             </a:pPr>
             <a:r>
               <a:rPr lang="pl-PL" dirty="0" smtClean="0"/>
-              <a:t>mniejsze częstotliwości rdzeni</a:t>
+              <a:t>-mniejsze </a:t>
+            </a:r>
+            <a:r>
+              <a:rPr lang="pl-PL" dirty="0" smtClean="0"/>
+              <a:t>częstotliwości rdzeni</a:t>
             </a:r>
           </a:p>
           <a:p>
@@ -19070,10 +19091,15 @@
             <p:ph idx="1"/>
           </p:nvPr>
         </p:nvSpPr>
-        <p:spPr/>
+        <p:spPr>
+          <a:xfrm>
+            <a:off x="1207007" y="2120054"/>
+            <a:ext cx="9779991" cy="4114800"/>
+          </a:xfrm>
+        </p:spPr>
         <p:txBody>
           <a:bodyPr>
-            <a:normAutofit fontScale="85000" lnSpcReduction="20000"/>
+            <a:normAutofit fontScale="92500"/>
           </a:bodyPr>
           <a:lstStyle/>
           <a:p>
@@ -19232,7 +19258,7 @@
         </p:nvSpPr>
         <p:spPr>
           <a:xfrm>
-            <a:off x="7776328" y="5335165"/>
+            <a:off x="7776328" y="5728930"/>
             <a:ext cx="3210671" cy="1011848"/>
           </a:xfrm>
         </p:spPr>
